--- a/presentation.pptx
+++ b/presentation.pptx
@@ -287,7 +287,7 @@
           <a:p>
             <a:fld id="{02AC24A9-CCB6-4F8D-B8DB-C2F3692CFA5A}" type="datetimeFigureOut">
               <a:rPr lang="en-US" smtClean="0"/>
-              <a:t>11/11/2021</a:t>
+              <a:t>1/27/22</a:t>
             </a:fld>
             <a:endParaRPr lang="en-US"/>
           </a:p>
@@ -702,7 +702,7 @@
           <a:p>
             <a:fld id="{02AC24A9-CCB6-4F8D-B8DB-C2F3692CFA5A}" type="datetimeFigureOut">
               <a:rPr lang="en-US" smtClean="0"/>
-              <a:t>11/11/2021</a:t>
+              <a:t>1/27/22</a:t>
             </a:fld>
             <a:endParaRPr lang="en-US"/>
           </a:p>
@@ -1095,6 +1095,14 @@
 <file path=ppt/slides/slide1.xml><?xml version="1.0" encoding="utf-8"?>
 <p:sld xmlns:a="http://schemas.openxmlformats.org/drawingml/2006/main" xmlns:r="http://schemas.openxmlformats.org/officeDocument/2006/relationships" xmlns:p="http://schemas.openxmlformats.org/presentationml/2006/main">
   <p:cSld>
+    <p:bg>
+      <p:bgPr>
+        <a:solidFill>
+          <a:schemeClr val="bg1"/>
+        </a:solidFill>
+        <a:effectLst/>
+      </p:bgPr>
+    </p:bg>
     <p:spTree>
       <p:nvGrpSpPr>
         <p:cNvPr id="1" name=""/>
@@ -1111,10 +1119,10 @@
       </p:grpSpPr>
       <p:sp useBgFill="1">
         <p:nvSpPr>
-          <p:cNvPr id="9" name="Rectangle 8">
-            <a:extLst>
-              <a:ext uri="{FF2B5EF4-FFF2-40B4-BE49-F238E27FC236}">
-                <a16:creationId xmlns:a16="http://schemas.microsoft.com/office/drawing/2014/main" id="{68AF5748-FED8-45BA-8631-26D1D10F3246}"/>
+          <p:cNvPr id="18" name="Rectangle 17">
+            <a:extLst>
+              <a:ext uri="{FF2B5EF4-FFF2-40B4-BE49-F238E27FC236}">
+                <a16:creationId xmlns:a16="http://schemas.microsoft.com/office/drawing/2014/main" id="{FFD48BC7-DC40-47DE-87EE-9F4B6ECB9ABB}"/>
               </a:ext>
               <a:ext uri="{C183D7F6-B498-43B3-948B-1728B52AA6E4}">
                 <adec:decorative xmlns:adec="http://schemas.microsoft.com/office/drawing/2017/decorative" val="1"/>
@@ -1169,76 +1177,12 @@
           </a:p>
         </p:txBody>
       </p:sp>
-      <p:sp>
-        <p:nvSpPr>
-          <p:cNvPr id="2" name="Title 1"/>
-          <p:cNvSpPr>
-            <a:spLocks noGrp="1"/>
-          </p:cNvSpPr>
-          <p:nvPr>
-            <p:ph type="ctrTitle"/>
-          </p:nvPr>
-        </p:nvSpPr>
-        <p:spPr>
-          <a:xfrm>
-            <a:off x="477981" y="1122363"/>
-            <a:ext cx="5739709" cy="3204134"/>
-          </a:xfrm>
-        </p:spPr>
-        <p:txBody>
-          <a:bodyPr anchor="b">
-            <a:normAutofit/>
-          </a:bodyPr>
-          <a:lstStyle/>
-          <a:p>
-            <a:r>
-              <a:rPr lang="en-US" sz="4800">
-                <a:cs typeface="Calibri Light"/>
-              </a:rPr>
-              <a:t>Introducing the workshop-o-matic</a:t>
-            </a:r>
-            <a:endParaRPr lang="en-US" sz="4800"/>
-          </a:p>
-        </p:txBody>
-      </p:sp>
-      <p:sp>
-        <p:nvSpPr>
-          <p:cNvPr id="3" name="Subtitle 2"/>
-          <p:cNvSpPr>
-            <a:spLocks noGrp="1"/>
-          </p:cNvSpPr>
-          <p:nvPr>
-            <p:ph type="subTitle" idx="1"/>
-          </p:nvPr>
-        </p:nvSpPr>
-        <p:spPr>
-          <a:xfrm>
-            <a:off x="477981" y="4872922"/>
-            <a:ext cx="3933306" cy="1208141"/>
-          </a:xfrm>
-        </p:spPr>
-        <p:txBody>
-          <a:bodyPr vert="horz" lIns="91440" tIns="45720" rIns="91440" bIns="45720" rtlCol="0">
-            <a:normAutofit/>
-          </a:bodyPr>
-          <a:lstStyle/>
-          <a:p>
-            <a:r>
-              <a:rPr lang="en-US" sz="2000">
-                <a:cs typeface="Calibri"/>
-              </a:rPr>
-              <a:t>Scaling via workshops</a:t>
-            </a:r>
-            <a:endParaRPr lang="en-US" sz="2000"/>
-          </a:p>
-        </p:txBody>
-      </p:sp>
-      <p:sp>
-        <p:nvSpPr>
-          <p:cNvPr id="11" name="Rectangle 10">
-            <a:extLst>
-              <a:ext uri="{FF2B5EF4-FFF2-40B4-BE49-F238E27FC236}">
-                <a16:creationId xmlns:a16="http://schemas.microsoft.com/office/drawing/2014/main" id="{AF2F604E-43BE-4DC3-B983-E071523364F8}"/>
+      <p:sp useBgFill="1">
+        <p:nvSpPr>
+          <p:cNvPr id="20" name="Freeform: Shape 19">
+            <a:extLst>
+              <a:ext uri="{FF2B5EF4-FFF2-40B4-BE49-F238E27FC236}">
+                <a16:creationId xmlns:a16="http://schemas.microsoft.com/office/drawing/2014/main" id="{E502BBC7-2C76-46F3-BC24-5985BC13DB88}"/>
               </a:ext>
               <a:ext uri="{C183D7F6-B498-43B3-948B-1728B52AA6E4}">
                 <adec:decorative xmlns:adec="http://schemas.microsoft.com/office/drawing/2017/decorative" val="1"/>
@@ -1257,19 +1201,128 @@
           </p:nvPr>
         </p:nvSpPr>
         <p:spPr>
-          <a:xfrm rot="5400000">
-            <a:off x="759921" y="346791"/>
-            <a:ext cx="146304" cy="704088"/>
+          <a:xfrm>
+            <a:off x="1114425" y="0"/>
+            <a:ext cx="9963150" cy="6858000"/>
           </a:xfrm>
-          <a:prstGeom prst="rect">
+          <a:custGeom>
             <a:avLst/>
-          </a:prstGeom>
-          <a:solidFill>
-            <a:schemeClr val="accent1"/>
-          </a:solidFill>
-          <a:ln>
-            <a:noFill/>
+            <a:gdLst>
+              <a:gd name="connsiteX0" fmla="*/ 1595771 w 9963150"/>
+              <a:gd name="connsiteY0" fmla="*/ 0 h 6858000"/>
+              <a:gd name="connsiteX1" fmla="*/ 8367379 w 9963150"/>
+              <a:gd name="connsiteY1" fmla="*/ 0 h 6858000"/>
+              <a:gd name="connsiteX2" fmla="*/ 8504080 w 9963150"/>
+              <a:gd name="connsiteY2" fmla="*/ 130333 h 6858000"/>
+              <a:gd name="connsiteX3" fmla="*/ 9963150 w 9963150"/>
+              <a:gd name="connsiteY3" fmla="*/ 3652838 h 6858000"/>
+              <a:gd name="connsiteX4" fmla="*/ 8825600 w 9963150"/>
+              <a:gd name="connsiteY4" fmla="*/ 6821583 h 6858000"/>
+              <a:gd name="connsiteX5" fmla="*/ 8794055 w 9963150"/>
+              <a:gd name="connsiteY5" fmla="*/ 6858000 h 6858000"/>
+              <a:gd name="connsiteX6" fmla="*/ 1169096 w 9963150"/>
+              <a:gd name="connsiteY6" fmla="*/ 6858000 h 6858000"/>
+              <a:gd name="connsiteX7" fmla="*/ 1137550 w 9963150"/>
+              <a:gd name="connsiteY7" fmla="*/ 6821583 h 6858000"/>
+              <a:gd name="connsiteX8" fmla="*/ 0 w 9963150"/>
+              <a:gd name="connsiteY8" fmla="*/ 3652838 h 6858000"/>
+              <a:gd name="connsiteX9" fmla="*/ 1459070 w 9963150"/>
+              <a:gd name="connsiteY9" fmla="*/ 130333 h 6858000"/>
+            </a:gdLst>
+            <a:ahLst/>
+            <a:cxnLst>
+              <a:cxn ang="0">
+                <a:pos x="connsiteX0" y="connsiteY0"/>
+              </a:cxn>
+              <a:cxn ang="0">
+                <a:pos x="connsiteX1" y="connsiteY1"/>
+              </a:cxn>
+              <a:cxn ang="0">
+                <a:pos x="connsiteX2" y="connsiteY2"/>
+              </a:cxn>
+              <a:cxn ang="0">
+                <a:pos x="connsiteX3" y="connsiteY3"/>
+              </a:cxn>
+              <a:cxn ang="0">
+                <a:pos x="connsiteX4" y="connsiteY4"/>
+              </a:cxn>
+              <a:cxn ang="0">
+                <a:pos x="connsiteX5" y="connsiteY5"/>
+              </a:cxn>
+              <a:cxn ang="0">
+                <a:pos x="connsiteX6" y="connsiteY6"/>
+              </a:cxn>
+              <a:cxn ang="0">
+                <a:pos x="connsiteX7" y="connsiteY7"/>
+              </a:cxn>
+              <a:cxn ang="0">
+                <a:pos x="connsiteX8" y="connsiteY8"/>
+              </a:cxn>
+              <a:cxn ang="0">
+                <a:pos x="connsiteX9" y="connsiteY9"/>
+              </a:cxn>
+            </a:cxnLst>
+            <a:rect l="l" t="t" r="r" b="b"/>
+            <a:pathLst>
+              <a:path w="9963150" h="6858000">
+                <a:moveTo>
+                  <a:pt x="1595771" y="0"/>
+                </a:moveTo>
+                <a:lnTo>
+                  <a:pt x="8367379" y="0"/>
+                </a:lnTo>
+                <a:lnTo>
+                  <a:pt x="8504080" y="130333"/>
+                </a:lnTo>
+                <a:cubicBezTo>
+                  <a:pt x="9405568" y="1031820"/>
+                  <a:pt x="9963150" y="2277214"/>
+                  <a:pt x="9963150" y="3652838"/>
+                </a:cubicBezTo>
+                <a:cubicBezTo>
+                  <a:pt x="9963150" y="4856509"/>
+                  <a:pt x="9536251" y="5960473"/>
+                  <a:pt x="8825600" y="6821583"/>
+                </a:cubicBezTo>
+                <a:lnTo>
+                  <a:pt x="8794055" y="6858000"/>
+                </a:lnTo>
+                <a:lnTo>
+                  <a:pt x="1169096" y="6858000"/>
+                </a:lnTo>
+                <a:lnTo>
+                  <a:pt x="1137550" y="6821583"/>
+                </a:lnTo>
+                <a:cubicBezTo>
+                  <a:pt x="426899" y="5960473"/>
+                  <a:pt x="0" y="4856509"/>
+                  <a:pt x="0" y="3652838"/>
+                </a:cubicBezTo>
+                <a:cubicBezTo>
+                  <a:pt x="0" y="2277214"/>
+                  <a:pt x="557582" y="1031820"/>
+                  <a:pt x="1459070" y="130333"/>
+                </a:cubicBezTo>
+                <a:close/>
+              </a:path>
+            </a:pathLst>
+          </a:custGeom>
+          <a:ln w="9525">
+            <a:solidFill>
+              <a:schemeClr val="tx2">
+                <a:lumMod val="10000"/>
+                <a:lumOff val="90000"/>
+              </a:schemeClr>
+            </a:solidFill>
           </a:ln>
+          <a:effectLst>
+            <a:outerShdw blurRad="63500" sx="102000" sy="102000" algn="ctr" rotWithShape="0">
+              <a:schemeClr val="bg1">
+                <a:lumMod val="85000"/>
+                <a:alpha val="20000"/>
+              </a:schemeClr>
+            </a:outerShdw>
+          </a:effectLst>
         </p:spPr>
         <p:style>
           <a:lnRef idx="2">
@@ -1288,7 +1341,9 @@
           </a:fontRef>
         </p:style>
         <p:txBody>
-          <a:bodyPr rtlCol="0" anchor="ctr"/>
+          <a:bodyPr wrap="square" rtlCol="0" anchor="ctr">
+            <a:noAutofit/>
+          </a:bodyPr>
           <a:lstStyle/>
           <a:p>
             <a:pPr marL="0" marR="0" lvl="0" indent="0" algn="ctr" defTabSz="914400" rtl="0" eaLnBrk="1" fontAlgn="auto" latinLnBrk="0" hangingPunct="1">
@@ -1325,12 +1380,12 @@
           </a:p>
         </p:txBody>
       </p:sp>
-      <p:sp>
-        <p:nvSpPr>
-          <p:cNvPr id="13" name="Rectangle 12">
-            <a:extLst>
-              <a:ext uri="{FF2B5EF4-FFF2-40B4-BE49-F238E27FC236}">
-                <a16:creationId xmlns:a16="http://schemas.microsoft.com/office/drawing/2014/main" id="{08C9B587-E65E-4B52-B37C-ABEBB6E87928}"/>
+      <p:sp useBgFill="1">
+        <p:nvSpPr>
+          <p:cNvPr id="22" name="Freeform: Shape 21">
+            <a:extLst>
+              <a:ext uri="{FF2B5EF4-FFF2-40B4-BE49-F238E27FC236}">
+                <a16:creationId xmlns:a16="http://schemas.microsoft.com/office/drawing/2014/main" id="{9C45F024-2468-4D8A-9E11-BB2B1E0A3B37}"/>
               </a:ext>
               <a:ext uri="{C183D7F6-B498-43B3-948B-1728B52AA6E4}">
                 <adec:decorative xmlns:adec="http://schemas.microsoft.com/office/drawing/2017/decorative" val="1"/>
@@ -1350,19 +1405,112 @@
         </p:nvSpPr>
         <p:spPr>
           <a:xfrm>
-            <a:off x="481029" y="4546920"/>
-            <a:ext cx="4023360" cy="18288"/>
+            <a:off x="1121664" y="0"/>
+            <a:ext cx="9948672" cy="6858000"/>
           </a:xfrm>
-          <a:prstGeom prst="rect">
+          <a:custGeom>
             <a:avLst/>
-          </a:prstGeom>
-          <a:solidFill>
-            <a:schemeClr val="tx2">
-              <a:lumMod val="25000"/>
-              <a:lumOff val="75000"/>
-            </a:schemeClr>
-          </a:solidFill>
-          <a:ln w="3175">
+            <a:gdLst>
+              <a:gd name="connsiteX0" fmla="*/ 1595771 w 9963150"/>
+              <a:gd name="connsiteY0" fmla="*/ 0 h 6858000"/>
+              <a:gd name="connsiteX1" fmla="*/ 8367379 w 9963150"/>
+              <a:gd name="connsiteY1" fmla="*/ 0 h 6858000"/>
+              <a:gd name="connsiteX2" fmla="*/ 8504080 w 9963150"/>
+              <a:gd name="connsiteY2" fmla="*/ 130333 h 6858000"/>
+              <a:gd name="connsiteX3" fmla="*/ 9963150 w 9963150"/>
+              <a:gd name="connsiteY3" fmla="*/ 3652838 h 6858000"/>
+              <a:gd name="connsiteX4" fmla="*/ 8825600 w 9963150"/>
+              <a:gd name="connsiteY4" fmla="*/ 6821583 h 6858000"/>
+              <a:gd name="connsiteX5" fmla="*/ 8794055 w 9963150"/>
+              <a:gd name="connsiteY5" fmla="*/ 6858000 h 6858000"/>
+              <a:gd name="connsiteX6" fmla="*/ 1169096 w 9963150"/>
+              <a:gd name="connsiteY6" fmla="*/ 6858000 h 6858000"/>
+              <a:gd name="connsiteX7" fmla="*/ 1137550 w 9963150"/>
+              <a:gd name="connsiteY7" fmla="*/ 6821583 h 6858000"/>
+              <a:gd name="connsiteX8" fmla="*/ 0 w 9963150"/>
+              <a:gd name="connsiteY8" fmla="*/ 3652838 h 6858000"/>
+              <a:gd name="connsiteX9" fmla="*/ 1459070 w 9963150"/>
+              <a:gd name="connsiteY9" fmla="*/ 130333 h 6858000"/>
+            </a:gdLst>
+            <a:ahLst/>
+            <a:cxnLst>
+              <a:cxn ang="0">
+                <a:pos x="connsiteX0" y="connsiteY0"/>
+              </a:cxn>
+              <a:cxn ang="0">
+                <a:pos x="connsiteX1" y="connsiteY1"/>
+              </a:cxn>
+              <a:cxn ang="0">
+                <a:pos x="connsiteX2" y="connsiteY2"/>
+              </a:cxn>
+              <a:cxn ang="0">
+                <a:pos x="connsiteX3" y="connsiteY3"/>
+              </a:cxn>
+              <a:cxn ang="0">
+                <a:pos x="connsiteX4" y="connsiteY4"/>
+              </a:cxn>
+              <a:cxn ang="0">
+                <a:pos x="connsiteX5" y="connsiteY5"/>
+              </a:cxn>
+              <a:cxn ang="0">
+                <a:pos x="connsiteX6" y="connsiteY6"/>
+              </a:cxn>
+              <a:cxn ang="0">
+                <a:pos x="connsiteX7" y="connsiteY7"/>
+              </a:cxn>
+              <a:cxn ang="0">
+                <a:pos x="connsiteX8" y="connsiteY8"/>
+              </a:cxn>
+              <a:cxn ang="0">
+                <a:pos x="connsiteX9" y="connsiteY9"/>
+              </a:cxn>
+            </a:cxnLst>
+            <a:rect l="l" t="t" r="r" b="b"/>
+            <a:pathLst>
+              <a:path w="9963150" h="6858000">
+                <a:moveTo>
+                  <a:pt x="1595771" y="0"/>
+                </a:moveTo>
+                <a:lnTo>
+                  <a:pt x="8367379" y="0"/>
+                </a:lnTo>
+                <a:lnTo>
+                  <a:pt x="8504080" y="130333"/>
+                </a:lnTo>
+                <a:cubicBezTo>
+                  <a:pt x="9405568" y="1031820"/>
+                  <a:pt x="9963150" y="2277214"/>
+                  <a:pt x="9963150" y="3652838"/>
+                </a:cubicBezTo>
+                <a:cubicBezTo>
+                  <a:pt x="9963150" y="4856509"/>
+                  <a:pt x="9536251" y="5960473"/>
+                  <a:pt x="8825600" y="6821583"/>
+                </a:cubicBezTo>
+                <a:lnTo>
+                  <a:pt x="8794055" y="6858000"/>
+                </a:lnTo>
+                <a:lnTo>
+                  <a:pt x="1169096" y="6858000"/>
+                </a:lnTo>
+                <a:lnTo>
+                  <a:pt x="1137550" y="6821583"/>
+                </a:lnTo>
+                <a:cubicBezTo>
+                  <a:pt x="426899" y="5960473"/>
+                  <a:pt x="0" y="4856509"/>
+                  <a:pt x="0" y="3652838"/>
+                </a:cubicBezTo>
+                <a:cubicBezTo>
+                  <a:pt x="0" y="2277214"/>
+                  <a:pt x="557582" y="1031820"/>
+                  <a:pt x="1459070" y="130333"/>
+                </a:cubicBezTo>
+                <a:close/>
+              </a:path>
+            </a:pathLst>
+          </a:custGeom>
+          <a:ln w="9525">
             <a:noFill/>
           </a:ln>
           <a:effectLst/>
@@ -1384,7 +1532,9 @@
           </a:fontRef>
         </p:style>
         <p:txBody>
-          <a:bodyPr rtlCol="0" anchor="ctr"/>
+          <a:bodyPr wrap="square" rtlCol="0" anchor="ctr">
+            <a:noAutofit/>
+          </a:bodyPr>
           <a:lstStyle/>
           <a:p>
             <a:pPr marL="0" marR="0" lvl="0" indent="0" algn="ctr" defTabSz="914400" rtl="0" eaLnBrk="1" fontAlgn="auto" latinLnBrk="0" hangingPunct="1">
@@ -1421,36 +1571,164 @@
           </a:p>
         </p:txBody>
       </p:sp>
-      <p:pic>
-        <p:nvPicPr>
-          <p:cNvPr id="4" name="Picture 4" descr="Logo&#10;&#10;Description automatically generated">
-            <a:extLst>
-              <a:ext uri="{FF2B5EF4-FFF2-40B4-BE49-F238E27FC236}">
-                <a16:creationId xmlns:a16="http://schemas.microsoft.com/office/drawing/2014/main" id="{3A11258E-8EB3-40C5-8358-9256B2E0D9EB}"/>
-              </a:ext>
-            </a:extLst>
-          </p:cNvPr>
-          <p:cNvPicPr>
-            <a:picLocks noChangeAspect="1"/>
-          </p:cNvPicPr>
-          <p:nvPr/>
-        </p:nvPicPr>
-        <p:blipFill>
-          <a:blip r:embed="rId2"/>
-          <a:stretch>
-            <a:fillRect/>
-          </a:stretch>
-        </p:blipFill>
+      <p:sp>
+        <p:nvSpPr>
+          <p:cNvPr id="2" name="Title 1"/>
+          <p:cNvSpPr>
+            <a:spLocks noGrp="1"/>
+          </p:cNvSpPr>
+          <p:nvPr>
+            <p:ph type="ctrTitle"/>
+          </p:nvPr>
+        </p:nvSpPr>
         <p:spPr>
           <a:xfrm>
-            <a:off x="5900336" y="766969"/>
-            <a:ext cx="5810635" cy="4388613"/>
+            <a:off x="1524003" y="1999615"/>
+            <a:ext cx="9144000" cy="2764028"/>
+          </a:xfrm>
+        </p:spPr>
+        <p:txBody>
+          <a:bodyPr anchor="ctr">
+            <a:normAutofit/>
+          </a:bodyPr>
+          <a:lstStyle/>
+          <a:p>
+            <a:pPr algn="ctr"/>
+            <a:r>
+              <a:rPr lang="en-US" sz="6700">
+                <a:cs typeface="Calibri Light"/>
+              </a:rPr>
+              <a:t>Introducing NextGen Workshops</a:t>
+            </a:r>
+            <a:endParaRPr lang="en-US" sz="6700"/>
+          </a:p>
+        </p:txBody>
+      </p:sp>
+      <p:sp>
+        <p:nvSpPr>
+          <p:cNvPr id="3" name="Subtitle 2"/>
+          <p:cNvSpPr>
+            <a:spLocks noGrp="1"/>
+          </p:cNvSpPr>
+          <p:nvPr>
+            <p:ph type="subTitle" idx="1"/>
+          </p:nvPr>
+        </p:nvSpPr>
+        <p:spPr>
+          <a:xfrm>
+            <a:off x="1966912" y="5645150"/>
+            <a:ext cx="8258176" cy="631825"/>
+          </a:xfrm>
+        </p:spPr>
+        <p:txBody>
+          <a:bodyPr vert="horz" lIns="91440" tIns="45720" rIns="91440" bIns="45720" rtlCol="0" anchor="ctr">
+            <a:normAutofit/>
+          </a:bodyPr>
+          <a:lstStyle/>
+          <a:p>
+            <a:pPr algn="ctr"/>
+            <a:r>
+              <a:rPr lang="en-US">
+                <a:cs typeface="Calibri"/>
+              </a:rPr>
+              <a:t>Scaling via workshops</a:t>
+            </a:r>
+            <a:endParaRPr lang="en-US"/>
+          </a:p>
+        </p:txBody>
+      </p:sp>
+      <p:sp>
+        <p:nvSpPr>
+          <p:cNvPr id="24" name="Rectangle 23">
+            <a:extLst>
+              <a:ext uri="{FF2B5EF4-FFF2-40B4-BE49-F238E27FC236}">
+                <a16:creationId xmlns:a16="http://schemas.microsoft.com/office/drawing/2014/main" id="{3629484E-3792-4B3D-89AD-7C8A1ED0E0D4}"/>
+              </a:ext>
+              <a:ext uri="{C183D7F6-B498-43B3-948B-1728B52AA6E4}">
+                <adec:decorative xmlns:adec="http://schemas.microsoft.com/office/drawing/2017/decorative" val="1"/>
+              </a:ext>
+            </a:extLst>
+          </p:cNvPr>
+          <p:cNvSpPr>
+            <a:spLocks noGrp="1" noRot="1" noChangeAspect="1" noMove="1" noResize="1" noEditPoints="1" noAdjustHandles="1" noChangeArrowheads="1" noChangeShapeType="1" noTextEdit="1"/>
+          </p:cNvSpPr>
+          <p:nvPr>
+            <p:extLst>
+              <p:ext uri="{386F3935-93C4-4BCD-93E2-E3B085C9AB24}">
+                <p16:designElem xmlns:p16="http://schemas.microsoft.com/office/powerpoint/2015/main" val="1"/>
+              </p:ext>
+            </p:extLst>
+          </p:nvPr>
+        </p:nvSpPr>
+        <p:spPr>
+          <a:xfrm>
+            <a:off x="3718560" y="5524786"/>
+            <a:ext cx="4754880" cy="27432"/>
           </a:xfrm>
           <a:prstGeom prst="rect">
             <a:avLst/>
           </a:prstGeom>
+          <a:solidFill>
+            <a:schemeClr val="accent1"/>
+          </a:solidFill>
+          <a:ln>
+            <a:noFill/>
+          </a:ln>
         </p:spPr>
-      </p:pic>
+        <p:style>
+          <a:lnRef idx="2">
+            <a:schemeClr val="accent1">
+              <a:shade val="50000"/>
+            </a:schemeClr>
+          </a:lnRef>
+          <a:fillRef idx="1">
+            <a:schemeClr val="accent1"/>
+          </a:fillRef>
+          <a:effectRef idx="0">
+            <a:schemeClr val="accent1"/>
+          </a:effectRef>
+          <a:fontRef idx="minor">
+            <a:schemeClr val="lt1"/>
+          </a:fontRef>
+        </p:style>
+        <p:txBody>
+          <a:bodyPr rtlCol="0" anchor="ctr"/>
+          <a:lstStyle/>
+          <a:p>
+            <a:pPr marL="0" marR="0" lvl="0" indent="0" algn="ctr" defTabSz="914400" rtl="0" eaLnBrk="1" fontAlgn="auto" latinLnBrk="0" hangingPunct="1">
+              <a:lnSpc>
+                <a:spcPct val="100000"/>
+              </a:lnSpc>
+              <a:spcBef>
+                <a:spcPts val="0"/>
+              </a:spcBef>
+              <a:spcAft>
+                <a:spcPts val="0"/>
+              </a:spcAft>
+              <a:buClrTx/>
+              <a:buSzTx/>
+              <a:buFontTx/>
+              <a:buNone/>
+              <a:tabLst/>
+              <a:defRPr/>
+            </a:pPr>
+            <a:endParaRPr kumimoji="0" lang="en-US" sz="1800" b="0" i="0" u="none" strike="noStrike" kern="1200" cap="none" spc="0" normalizeH="0" baseline="0" noProof="0">
+              <a:ln>
+                <a:noFill/>
+              </a:ln>
+              <a:solidFill>
+                <a:prstClr val="white"/>
+              </a:solidFill>
+              <a:effectLst/>
+              <a:uLnTx/>
+              <a:uFillTx/>
+              <a:latin typeface="Calibri" panose="020F0502020204030204"/>
+              <a:ea typeface="+mn-ea"/>
+              <a:cs typeface="+mn-cs"/>
+            </a:endParaRPr>
+          </a:p>
+        </p:txBody>
+      </p:sp>
     </p:spTree>
     <p:extLst>
       <p:ext uri="{BB962C8B-B14F-4D97-AF65-F5344CB8AC3E}">
@@ -1461,6 +1739,145 @@
   <p:clrMapOvr>
     <a:masterClrMapping/>
   </p:clrMapOvr>
+  <p:timing>
+    <p:tnLst>
+      <p:par>
+        <p:cTn id="1" dur="indefinite" restart="never" nodeType="tmRoot">
+          <p:childTnLst>
+            <p:seq concurrent="1" nextAc="seek">
+              <p:cTn id="2" dur="indefinite" nodeType="mainSeq">
+                <p:childTnLst>
+                  <p:par>
+                    <p:cTn id="3" fill="hold">
+                      <p:stCondLst>
+                        <p:cond delay="indefinite"/>
+                        <p:cond evt="onBegin" delay="0">
+                          <p:tn val="2"/>
+                        </p:cond>
+                      </p:stCondLst>
+                      <p:childTnLst>
+                        <p:par>
+                          <p:cTn id="4" fill="hold">
+                            <p:stCondLst>
+                              <p:cond delay="0"/>
+                            </p:stCondLst>
+                            <p:childTnLst>
+                              <p:par>
+                                <p:cTn id="5" presetID="10" presetClass="entr" presetSubtype="0" fill="hold" grpId="0" nodeType="withEffect">
+                                  <p:stCondLst>
+                                    <p:cond delay="1000"/>
+                                  </p:stCondLst>
+                                  <p:iterate type="wd">
+                                    <p:tmPct val="15000"/>
+                                  </p:iterate>
+                                  <p:childTnLst>
+                                    <p:set>
+                                      <p:cBhvr>
+                                        <p:cTn id="6" dur="1" fill="hold">
+                                          <p:stCondLst>
+                                            <p:cond delay="0"/>
+                                          </p:stCondLst>
+                                        </p:cTn>
+                                        <p:tgtEl>
+                                          <p:spTgt spid="3">
+                                            <p:txEl>
+                                              <p:pRg st="0" end="0"/>
+                                            </p:txEl>
+                                          </p:spTgt>
+                                        </p:tgtEl>
+                                        <p:attrNameLst>
+                                          <p:attrName>style.visibility</p:attrName>
+                                        </p:attrNameLst>
+                                      </p:cBhvr>
+                                      <p:to>
+                                        <p:strVal val="visible"/>
+                                      </p:to>
+                                    </p:set>
+                                    <p:animEffect transition="in" filter="fade">
+                                      <p:cBhvr>
+                                        <p:cTn id="7" dur="1000"/>
+                                        <p:tgtEl>
+                                          <p:spTgt spid="3">
+                                            <p:txEl>
+                                              <p:pRg st="0" end="0"/>
+                                            </p:txEl>
+                                          </p:spTgt>
+                                        </p:tgtEl>
+                                      </p:cBhvr>
+                                    </p:animEffect>
+                                  </p:childTnLst>
+                                </p:cTn>
+                              </p:par>
+                              <p:par>
+                                <p:cTn id="8" presetID="10" presetClass="entr" presetSubtype="0" fill="hold" grpId="0" nodeType="withEffect">
+                                  <p:stCondLst>
+                                    <p:cond delay="500"/>
+                                  </p:stCondLst>
+                                  <p:iterate type="wd">
+                                    <p:tmPct val="15000"/>
+                                  </p:iterate>
+                                  <p:childTnLst>
+                                    <p:set>
+                                      <p:cBhvr>
+                                        <p:cTn id="9" dur="1" fill="hold">
+                                          <p:stCondLst>
+                                            <p:cond delay="0"/>
+                                          </p:stCondLst>
+                                        </p:cTn>
+                                        <p:tgtEl>
+                                          <p:spTgt spid="2"/>
+                                        </p:tgtEl>
+                                        <p:attrNameLst>
+                                          <p:attrName>style.visibility</p:attrName>
+                                        </p:attrNameLst>
+                                      </p:cBhvr>
+                                      <p:to>
+                                        <p:strVal val="visible"/>
+                                      </p:to>
+                                    </p:set>
+                                    <p:animEffect transition="in" filter="fade">
+                                      <p:cBhvr>
+                                        <p:cTn id="10" dur="1000"/>
+                                        <p:tgtEl>
+                                          <p:spTgt spid="2"/>
+                                        </p:tgtEl>
+                                      </p:cBhvr>
+                                    </p:animEffect>
+                                  </p:childTnLst>
+                                </p:cTn>
+                              </p:par>
+                            </p:childTnLst>
+                          </p:cTn>
+                        </p:par>
+                      </p:childTnLst>
+                    </p:cTn>
+                  </p:par>
+                </p:childTnLst>
+              </p:cTn>
+              <p:prevCondLst>
+                <p:cond evt="onPrev" delay="0">
+                  <p:tgtEl>
+                    <p:sldTgt/>
+                  </p:tgtEl>
+                </p:cond>
+              </p:prevCondLst>
+              <p:nextCondLst>
+                <p:cond evt="onNext" delay="0">
+                  <p:tgtEl>
+                    <p:sldTgt/>
+                  </p:tgtEl>
+                </p:cond>
+              </p:nextCondLst>
+            </p:seq>
+          </p:childTnLst>
+        </p:cTn>
+      </p:par>
+    </p:tnLst>
+    <p:bldLst>
+      <p:bldP spid="2" grpId="0"/>
+      <p:bldP spid="3" grpId="0" build="p"/>
+    </p:bldLst>
+  </p:timing>
 </p:sld>
 </file>
 
@@ -1734,31 +2151,17 @@
         <p:spPr/>
         <p:txBody>
           <a:bodyPr vert="horz" lIns="91440" tIns="45720" rIns="91440" bIns="45720" rtlCol="0" anchor="t">
-            <a:normAutofit fontScale="92500" lnSpcReduction="10000"/>
+            <a:normAutofit/>
           </a:bodyPr>
           <a:lstStyle/>
           <a:p>
             <a:r>
-              <a:rPr lang="en-US"/>
+              <a:rPr lang="en-US" dirty="0"/>
               <a:t>Create a sustainable, repeatable system to shape content into workshops for delivery by MLSAs and others</a:t>
             </a:r>
           </a:p>
           <a:p>
-            <a:r>
-              <a:rPr lang="en-US"/>
-              <a:t> Introducing the workshop-o-</a:t>
-            </a:r>
-            <a:r>
-              <a:rPr lang="en-US" err="1"/>
-              <a:t>matic</a:t>
-            </a:r>
-            <a:r>
-              <a:rPr lang="en-US"/>
-              <a:t>!</a:t>
-            </a:r>
-          </a:p>
-          <a:p>
-            <a:endParaRPr lang="en-US"/>
+            <a:endParaRPr lang="en-US" dirty="0"/>
           </a:p>
         </p:txBody>
       </p:sp>
@@ -2574,7 +2977,15 @@
                 <a:cs typeface="+mn-lt"/>
                 <a:hlinkClick r:id="rId2"/>
               </a:rPr>
-              <a:t>https://github.com/microsoft/workshop-library</a:t>
+              <a:t>https://github.com/microsoft/workshop-</a:t>
+            </a:r>
+            <a:r>
+              <a:rPr lang="en-US" sz="2400" dirty="0">
+                <a:ea typeface="+mn-lt"/>
+                <a:cs typeface="+mn-lt"/>
+                <a:hlinkClick r:id="rId2"/>
+              </a:rPr>
+              <a:t>library</a:t>
             </a:r>
             <a:r>
               <a:rPr lang="en-US" sz="2400" dirty="0">
@@ -2801,7 +3212,7 @@
           <a:p>
             <a:pPr algn="l"/>
             <a:r>
-              <a:rPr lang="en-US" sz="2800"/>
+              <a:rPr lang="en-US" sz="2800" dirty="0"/>
               <a:t>Trainers:</a:t>
             </a:r>
           </a:p>
@@ -3649,7 +4060,7 @@
             </a:pPr>
             <a:r>
               <a:rPr lang="en-US" sz="2400" dirty="0"/>
-              <a:t>1. Copy this template repo to your account: </a:t>
+              <a:t>1. Clone this repo: </a:t>
             </a:r>
             <a:r>
               <a:rPr lang="en-US" sz="2400" dirty="0">
@@ -3665,7 +4076,7 @@
               </a:rPr>
               <a:t>workshop-template</a:t>
             </a:r>
-            <a:endParaRPr lang="en-US"/>
+            <a:endParaRPr lang="en-US" dirty="0"/>
           </a:p>
           <a:p>
             <a:pPr>
@@ -3675,9 +4086,8 @@
             </a:pPr>
             <a:r>
               <a:rPr lang="en-US" sz="2400" dirty="0"/>
-              <a:t>2. Design your workshop using the workshop-designer document</a:t>
+              <a:t>2. Check with us on the Learn modules to use as your workshop’s source</a:t>
             </a:r>
-            <a:endParaRPr lang="en-US" dirty="0"/>
           </a:p>
           <a:p>
             <a:pPr>
@@ -3687,45 +4097,31 @@
             </a:pPr>
             <a:r>
               <a:rPr lang="en-US" sz="2400" dirty="0"/>
-              <a:t>3. Build the workshop as an addition to the workshop library</a:t>
+              <a:t>3. Design your workshop using the workshop-designer document</a:t>
             </a:r>
             <a:endParaRPr lang="en-US" dirty="0"/>
           </a:p>
           <a:p>
-            <a:pPr marL="342900" indent="-342900">
+            <a:pPr>
               <a:lnSpc>
                 <a:spcPct val="100000"/>
               </a:lnSpc>
-              <a:buChar char="•"/>
             </a:pPr>
             <a:r>
               <a:rPr lang="en-US" sz="2400" dirty="0"/>
-              <a:t>Add the solution files</a:t>
+              <a:t>4. Build the workshop following the template</a:t>
             </a:r>
             <a:endParaRPr lang="en-US" dirty="0"/>
           </a:p>
           <a:p>
-            <a:pPr marL="342900" indent="-342900">
+            <a:pPr>
               <a:lnSpc>
                 <a:spcPct val="100000"/>
               </a:lnSpc>
-              <a:buChar char="•"/>
             </a:pPr>
             <a:r>
               <a:rPr lang="en-US" sz="2400" dirty="0"/>
-              <a:t>Write the README.md file</a:t>
-            </a:r>
-          </a:p>
-          <a:p>
-            <a:pPr marL="342900" indent="-342900">
-              <a:lnSpc>
-                <a:spcPct val="100000"/>
-              </a:lnSpc>
-              <a:buChar char="•"/>
-            </a:pPr>
-            <a:r>
-              <a:rPr lang="en-US" sz="2400" dirty="0"/>
-              <a:t>PR your workshop folder with all files to </a:t>
+              <a:t>5. PR your workshop folder with all files to </a:t>
             </a:r>
             <a:r>
               <a:rPr lang="en-US" sz="2400" dirty="0">
@@ -3733,10 +4129,7 @@
               </a:rPr>
               <a:t>https://github.com/microsoft/workshop-library</a:t>
             </a:r>
-            <a:r>
-              <a:rPr lang="en-US" sz="2400" dirty="0"/>
-              <a:t> and a Cloud Advocate will review and help shape the workshop for production. Thank you for contributing!</a:t>
-            </a:r>
+            <a:endParaRPr lang="en-US" sz="2400" dirty="0"/>
           </a:p>
         </p:txBody>
       </p:sp>
@@ -4411,7 +4804,7 @@
         <p:spPr>
           <a:xfrm>
             <a:off x="763485" y="5861392"/>
-            <a:ext cx="10987616" cy="646331"/>
+            <a:ext cx="10987616" cy="369332"/>
           </a:xfrm>
           <a:prstGeom prst="rect">
             <a:avLst/>
@@ -4427,9 +4820,10 @@
           </a:bodyPr>
           <a:lstStyle/>
           <a:p>
+            <a:pPr algn="ctr"/>
             <a:r>
               <a:rPr lang="en-US" dirty="0"/>
-              <a:t>Check out the first workshop: </a:t>
+              <a:t>Check out our current workshops: </a:t>
             </a:r>
             <a:r>
               <a:rPr lang="en-US" dirty="0">
@@ -4437,17 +4831,7 @@
               </a:rPr>
               <a:t>https://aka.ms/workshopomatic</a:t>
             </a:r>
-            <a:r>
-              <a:rPr lang="en-US" dirty="0"/>
-              <a:t> courtesy of Christopher Harrison! </a:t>
-            </a:r>
-            <a:endParaRPr lang="en-US"/>
-          </a:p>
-          <a:p>
-            <a:r>
-              <a:rPr lang="en-US" dirty="0"/>
-              <a:t>Join the TTT session with Christopher and Jen next week!</a:t>
-            </a:r>
+            <a:endParaRPr lang="en-US" dirty="0"/>
           </a:p>
         </p:txBody>
       </p:sp>
